--- a/Web Site Project/UI UX/P1.pptx
+++ b/Web Site Project/UI UX/P1.pptx
@@ -260,7 +260,7 @@
           <a:p>
             <a:fld id="{E9392038-9FB0-488B-AEF1-92A3C461B2E8}" type="datetimeFigureOut">
               <a:rPr lang="en-US" smtClean="0"/>
-              <a:t>10/12/2025</a:t>
+              <a:t>11/3/2025</a:t>
             </a:fld>
             <a:endParaRPr lang="en-US"/>
           </a:p>
@@ -430,7 +430,7 @@
           <a:p>
             <a:fld id="{E9392038-9FB0-488B-AEF1-92A3C461B2E8}" type="datetimeFigureOut">
               <a:rPr lang="en-US" smtClean="0"/>
-              <a:t>10/12/2025</a:t>
+              <a:t>11/3/2025</a:t>
             </a:fld>
             <a:endParaRPr lang="en-US"/>
           </a:p>
@@ -610,7 +610,7 @@
           <a:p>
             <a:fld id="{E9392038-9FB0-488B-AEF1-92A3C461B2E8}" type="datetimeFigureOut">
               <a:rPr lang="en-US" smtClean="0"/>
-              <a:t>10/12/2025</a:t>
+              <a:t>11/3/2025</a:t>
             </a:fld>
             <a:endParaRPr lang="en-US"/>
           </a:p>
@@ -780,7 +780,7 @@
           <a:p>
             <a:fld id="{E9392038-9FB0-488B-AEF1-92A3C461B2E8}" type="datetimeFigureOut">
               <a:rPr lang="en-US" smtClean="0"/>
-              <a:t>10/12/2025</a:t>
+              <a:t>11/3/2025</a:t>
             </a:fld>
             <a:endParaRPr lang="en-US"/>
           </a:p>
@@ -1026,7 +1026,7 @@
           <a:p>
             <a:fld id="{E9392038-9FB0-488B-AEF1-92A3C461B2E8}" type="datetimeFigureOut">
               <a:rPr lang="en-US" smtClean="0"/>
-              <a:t>10/12/2025</a:t>
+              <a:t>11/3/2025</a:t>
             </a:fld>
             <a:endParaRPr lang="en-US"/>
           </a:p>
@@ -1258,7 +1258,7 @@
           <a:p>
             <a:fld id="{E9392038-9FB0-488B-AEF1-92A3C461B2E8}" type="datetimeFigureOut">
               <a:rPr lang="en-US" smtClean="0"/>
-              <a:t>10/12/2025</a:t>
+              <a:t>11/3/2025</a:t>
             </a:fld>
             <a:endParaRPr lang="en-US"/>
           </a:p>
@@ -1625,7 +1625,7 @@
           <a:p>
             <a:fld id="{E9392038-9FB0-488B-AEF1-92A3C461B2E8}" type="datetimeFigureOut">
               <a:rPr lang="en-US" smtClean="0"/>
-              <a:t>10/12/2025</a:t>
+              <a:t>11/3/2025</a:t>
             </a:fld>
             <a:endParaRPr lang="en-US"/>
           </a:p>
@@ -1743,7 +1743,7 @@
           <a:p>
             <a:fld id="{E9392038-9FB0-488B-AEF1-92A3C461B2E8}" type="datetimeFigureOut">
               <a:rPr lang="en-US" smtClean="0"/>
-              <a:t>10/12/2025</a:t>
+              <a:t>11/3/2025</a:t>
             </a:fld>
             <a:endParaRPr lang="en-US"/>
           </a:p>
@@ -1838,7 +1838,7 @@
           <a:p>
             <a:fld id="{E9392038-9FB0-488B-AEF1-92A3C461B2E8}" type="datetimeFigureOut">
               <a:rPr lang="en-US" smtClean="0"/>
-              <a:t>10/12/2025</a:t>
+              <a:t>11/3/2025</a:t>
             </a:fld>
             <a:endParaRPr lang="en-US"/>
           </a:p>
@@ -2115,7 +2115,7 @@
           <a:p>
             <a:fld id="{E9392038-9FB0-488B-AEF1-92A3C461B2E8}" type="datetimeFigureOut">
               <a:rPr lang="en-US" smtClean="0"/>
-              <a:t>10/12/2025</a:t>
+              <a:t>11/3/2025</a:t>
             </a:fld>
             <a:endParaRPr lang="en-US"/>
           </a:p>
@@ -2368,7 +2368,7 @@
           <a:p>
             <a:fld id="{E9392038-9FB0-488B-AEF1-92A3C461B2E8}" type="datetimeFigureOut">
               <a:rPr lang="en-US" smtClean="0"/>
-              <a:t>10/12/2025</a:t>
+              <a:t>11/3/2025</a:t>
             </a:fld>
             <a:endParaRPr lang="en-US"/>
           </a:p>
@@ -2581,7 +2581,7 @@
           <a:p>
             <a:fld id="{E9392038-9FB0-488B-AEF1-92A3C461B2E8}" type="datetimeFigureOut">
               <a:rPr lang="en-US" smtClean="0"/>
-              <a:t>10/12/2025</a:t>
+              <a:t>11/3/2025</a:t>
             </a:fld>
             <a:endParaRPr lang="en-US"/>
           </a:p>
@@ -5630,97 +5630,31 @@
             </a:br>
             <a:r>
               <a:rPr lang="ar-EG" dirty="0" smtClean="0"/>
-              <a:t>الحالة الصحية العامة (مدخن / غير مدخن، رياضي / غير رياضي)</a:t>
+              <a:t>الحالة الصحية العامة (مدخن / غير مدخن، رياضي / غير رياضي</a:t>
+            </a:r>
+            <a:r>
+              <a:rPr lang="ar-EG" dirty="0" smtClean="0"/>
+              <a:t>)</a:t>
+            </a:r>
+            <a:r>
+              <a:rPr lang="ar-EG" dirty="0" smtClean="0"/>
+              <a:t/>
             </a:r>
             <a:br>
               <a:rPr lang="ar-EG" dirty="0" smtClean="0"/>
             </a:br>
             <a:r>
               <a:rPr lang="ar-EG" dirty="0" smtClean="0"/>
-              <a:t>العمليات الجراحية السابقة</a:t>
-            </a:r>
-            <a:br>
+              <a:t>العنوان  </a:t>
+            </a:r>
+            <a:r>
               <a:rPr lang="ar-EG" dirty="0" smtClean="0"/>
-            </a:br>
-            <a:r>
-              <a:rPr lang="ar-EG" b="1" dirty="0" smtClean="0"/>
-              <a:t>العنوان</a:t>
-            </a:r>
-            <a:r>
-              <a:rPr lang="ar-EG" dirty="0" smtClean="0"/>
-              <a:t> (ممكن يبقى مهم لو في حالة طوارئ أو توصيل أدوية)</a:t>
+              <a:t/>
             </a:r>
             <a:br>
               <a:rPr lang="ar-EG" dirty="0" smtClean="0"/>
             </a:br>
             <a:endParaRPr lang="en-US" dirty="0"/>
-          </a:p>
-        </p:txBody>
-      </p:sp>
-      <p:sp>
-        <p:nvSpPr>
-          <p:cNvPr id="11" name="Rounded Rectangle 10"/>
-          <p:cNvSpPr/>
-          <p:nvPr/>
-        </p:nvSpPr>
-        <p:spPr>
-          <a:xfrm>
-            <a:off x="553915" y="1433146"/>
-            <a:ext cx="5222631" cy="4897316"/>
-          </a:xfrm>
-          <a:prstGeom prst="roundRect">
-            <a:avLst/>
-          </a:prstGeom>
-        </p:spPr>
-        <p:style>
-          <a:lnRef idx="2">
-            <a:schemeClr val="accent3">
-              <a:shade val="50000"/>
-            </a:schemeClr>
-          </a:lnRef>
-          <a:fillRef idx="1">
-            <a:schemeClr val="accent3"/>
-          </a:fillRef>
-          <a:effectRef idx="0">
-            <a:schemeClr val="accent3"/>
-          </a:effectRef>
-          <a:fontRef idx="minor">
-            <a:schemeClr val="lt1"/>
-          </a:fontRef>
-        </p:style>
-        <p:txBody>
-          <a:bodyPr rtlCol="0" anchor="ctr"/>
-          <a:lstStyle/>
-          <a:p>
-            <a:r>
-              <a:rPr lang="ar-EG" b="1" dirty="0"/>
-              <a:t>حاجات اختيارية:</a:t>
-            </a:r>
-          </a:p>
-          <a:p>
-            <a:r>
-              <a:rPr lang="ar-EG" dirty="0"/>
-              <a:t>صورة شخصية للمريض </a:t>
-            </a:r>
-            <a:endParaRPr lang="en-US" dirty="0"/>
-          </a:p>
-          <a:p>
-            <a:r>
-              <a:rPr lang="ar-EG" dirty="0"/>
-              <a:t>بطاقة تأمين صحي (لو موجود).</a:t>
-            </a:r>
-          </a:p>
-          <a:p>
-            <a:r>
-              <a:rPr lang="ar-EG" dirty="0"/>
-              <a:t>مستوى النشاط البدني / نمط الحياة.</a:t>
-            </a:r>
-          </a:p>
-          <a:p>
-            <a:r>
-              <a:rPr lang="ar-EG" dirty="0"/>
-              <a:t>عادات غذائية (مثلاً: نباتي، بيأكل كل حاجة)</a:t>
-            </a:r>
           </a:p>
         </p:txBody>
       </p:sp>
@@ -5788,8 +5722,8 @@
         </p:blipFill>
         <p:spPr>
           <a:xfrm>
-            <a:off x="334109" y="149468"/>
-            <a:ext cx="5161084" cy="2852373"/>
+            <a:off x="483578" y="1565031"/>
+            <a:ext cx="5354512" cy="2839916"/>
           </a:xfrm>
           <a:prstGeom prst="rect">
             <a:avLst/>
